--- a/kafka.pptx
+++ b/kafka.pptx
@@ -3492,7 +3492,7 @@
         </p:nvSpPr>
         <p:spPr>
           <a:xfrm>
-            <a:off x="0" y="679796"/>
+            <a:off x="327722" y="596669"/>
             <a:ext cx="11536556" cy="5170646"/>
           </a:xfrm>
           <a:prstGeom prst="rect">
@@ -3582,7 +3582,10 @@
             </a:r>
           </a:p>
           <a:p>
-            <a:endParaRPr lang="en-IN" sz="1400" b="1" dirty="0"/>
+            <a:r>
+              <a:rPr lang="en-IN" sz="1400" b="1" dirty="0"/>
+              <a:t> </a:t>
+            </a:r>
           </a:p>
           <a:p>
             <a:r>
@@ -3832,7 +3835,7 @@
         <p:spPr>
           <a:xfrm>
             <a:off x="606669" y="1239891"/>
-            <a:ext cx="10480431" cy="1585049"/>
+            <a:ext cx="10480431" cy="5001369"/>
           </a:xfrm>
           <a:prstGeom prst="rect">
             <a:avLst/>
@@ -3852,6 +3855,34 @@
               <a:rPr lang="en-IN" dirty="0"/>
               <a:t> is an open-source message broker project developed by the Apache Software Foundation written in Scala. The project aims to provide a unified, high-throughput, low-latency platform for handling real-time data feeds. It is, in its essence, a "massively scalable pub/sub message queue architected as a distributed transaction log," making it highly valuable for enterprise infrastructures to process streaming data.</a:t>
             </a:r>
+            <a:r>
+              <a:rPr lang="en-IN" sz="3200" dirty="0"/>
+              <a:t> </a:t>
+            </a:r>
+          </a:p>
+          <a:p>
+            <a:endParaRPr lang="en-IN" sz="3200" dirty="0"/>
+          </a:p>
+          <a:p>
+            <a:endParaRPr lang="en-IN" sz="3200" dirty="0"/>
+          </a:p>
+          <a:p>
+            <a:pPr algn="ctr"/>
+            <a:r>
+              <a:rPr lang="en-IN" b="1" dirty="0"/>
+              <a:t>Why Kafka?</a:t>
+            </a:r>
+          </a:p>
+          <a:p>
+            <a:endParaRPr lang="en-IN" dirty="0"/>
+          </a:p>
+          <a:p>
+            <a:r>
+              <a:rPr lang="en-IN" dirty="0"/>
+              <a:t>Kafka is a unified platform for handling all the real-time data feeds. Kafka supports low latency message delivery and gives guarantee for fault tolerance in the presence of machine failures. It has the ability to handle a large number of diverse consumers. Kafka is very fast, performs 2 million writes/sec. Kafka persists all data to the disk, which essentially means that all the writes go to the page cache of the OS (RAM). This makes it very efficient to transfer data from page cache to a network socket</a:t>
+            </a:r>
+          </a:p>
+          <a:p>
             <a:r>
               <a:rPr lang="en-IN" sz="3200" dirty="0"/>
               <a:t>                                          </a:t>
@@ -3938,10 +3969,10 @@
       </p:grpSpPr>
       <p:pic>
         <p:nvPicPr>
-          <p:cNvPr id="2" name="Picture 1">
-            <a:extLst>
-              <a:ext uri="{FF2B5EF4-FFF2-40B4-BE49-F238E27FC236}">
-                <a16:creationId xmlns:a16="http://schemas.microsoft.com/office/drawing/2014/main" id="{F3B4AFCB-1998-4B67-BC60-C28BF8B7840B}"/>
+          <p:cNvPr id="4" name="Picture 3">
+            <a:extLst>
+              <a:ext uri="{FF2B5EF4-FFF2-40B4-BE49-F238E27FC236}">
+                <a16:creationId xmlns:a16="http://schemas.microsoft.com/office/drawing/2014/main" id="{15F4AA66-E02F-42BB-B41C-4A12A2B5D15B}"/>
               </a:ext>
             </a:extLst>
           </p:cNvPr>
@@ -3958,8 +3989,90 @@
         </p:blipFill>
         <p:spPr>
           <a:xfrm>
-            <a:off x="1583021" y="0"/>
-            <a:ext cx="9025957" cy="6858000"/>
+            <a:off x="1115615" y="2056388"/>
+            <a:ext cx="4742993" cy="2739078"/>
+          </a:xfrm>
+          <a:prstGeom prst="rect">
+            <a:avLst/>
+          </a:prstGeom>
+        </p:spPr>
+      </p:pic>
+      <p:cxnSp>
+        <p:nvCxnSpPr>
+          <p:cNvPr id="13" name="Straight Connector 8">
+            <a:extLst>
+              <a:ext uri="{FF2B5EF4-FFF2-40B4-BE49-F238E27FC236}">
+                <a16:creationId xmlns:a16="http://schemas.microsoft.com/office/drawing/2014/main" id="{4D56677B-C0B7-4DAC-ACAD-8054FF1B599A}"/>
+              </a:ext>
+              <a:ext uri="{C183D7F6-B498-43B3-948B-1728B52AA6E4}">
+                <adec:decorative xmlns:adec="http://schemas.microsoft.com/office/drawing/2017/decorative" val="1"/>
+              </a:ext>
+            </a:extLst>
+          </p:cNvPr>
+          <p:cNvCxnSpPr>
+            <a:cxnSpLocks noGrp="1" noRot="1" noChangeAspect="1" noMove="1" noResize="1" noEditPoints="1" noAdjustHandles="1" noChangeArrowheads="1" noChangeShapeType="1"/>
+          </p:cNvCxnSpPr>
+          <p:nvPr>
+            <p:extLst>
+              <p:ext uri="{386F3935-93C4-4BCD-93E2-E3B085C9AB24}">
+                <p16:designElem xmlns:p16="http://schemas.microsoft.com/office/powerpoint/2015/main" val="1"/>
+              </p:ext>
+            </p:extLst>
+          </p:nvPr>
+        </p:nvCxnSpPr>
+        <p:spPr>
+          <a:xfrm>
+            <a:off x="6096000" y="1573887"/>
+            <a:ext cx="0" cy="3710227"/>
+          </a:xfrm>
+          <a:prstGeom prst="line">
+            <a:avLst/>
+          </a:prstGeom>
+          <a:ln>
+            <a:solidFill>
+              <a:srgbClr val="F58369"/>
+            </a:solidFill>
+          </a:ln>
+        </p:spPr>
+        <p:style>
+          <a:lnRef idx="1">
+            <a:schemeClr val="accent1"/>
+          </a:lnRef>
+          <a:fillRef idx="0">
+            <a:schemeClr val="accent1"/>
+          </a:fillRef>
+          <a:effectRef idx="0">
+            <a:schemeClr val="accent1"/>
+          </a:effectRef>
+          <a:fontRef idx="minor">
+            <a:schemeClr val="tx1"/>
+          </a:fontRef>
+        </p:style>
+      </p:cxnSp>
+      <p:pic>
+        <p:nvPicPr>
+          <p:cNvPr id="2" name="Picture 1">
+            <a:extLst>
+              <a:ext uri="{FF2B5EF4-FFF2-40B4-BE49-F238E27FC236}">
+                <a16:creationId xmlns:a16="http://schemas.microsoft.com/office/drawing/2014/main" id="{F3B4AFCB-1998-4B67-BC60-C28BF8B7840B}"/>
+              </a:ext>
+            </a:extLst>
+          </p:cNvPr>
+          <p:cNvPicPr>
+            <a:picLocks noChangeAspect="1"/>
+          </p:cNvPicPr>
+          <p:nvPr/>
+        </p:nvPicPr>
+        <p:blipFill>
+          <a:blip r:embed="rId3"/>
+          <a:stretch>
+            <a:fillRect/>
+          </a:stretch>
+        </p:blipFill>
+        <p:spPr>
+          <a:xfrm>
+            <a:off x="6343240" y="1629281"/>
+            <a:ext cx="4728015" cy="3593291"/>
           </a:xfrm>
           <a:prstGeom prst="rect">
             <a:avLst/>
@@ -4236,7 +4349,7 @@
             </a:r>
             <a:r>
               <a:rPr lang="en-IN" sz="1400" dirty="0" err="1"/>
-              <a:t>Hadoop_Hadoop</a:t>
+              <a:t>hadoop:hadoop</a:t>
             </a:r>
             <a:r>
               <a:rPr lang="en-IN" sz="1400" dirty="0"/>
@@ -4275,7 +4388,7 @@
             </a:r>
             <a:r>
               <a:rPr lang="en-IN" sz="1400" dirty="0" err="1"/>
-              <a:t>Hadoop_Hadoop</a:t>
+              <a:t>hadoop:hadoop</a:t>
             </a:r>
             <a:r>
               <a:rPr lang="en-IN" sz="1400" dirty="0"/>
@@ -4500,7 +4613,7 @@
             </a:r>
             <a:r>
               <a:rPr lang="en-IN" sz="1400" dirty="0" err="1"/>
-              <a:t>sqoop</a:t>
+              <a:t>kafka</a:t>
             </a:r>
             <a:r>
               <a:rPr lang="en-IN" sz="1400" dirty="0"/>
@@ -4750,7 +4863,11 @@
             </a:r>
             <a:r>
               <a:rPr lang="en-IN" dirty="0"/>
-              <a:t>/server/properties</a:t>
+              <a:t>/config/</a:t>
+            </a:r>
+            <a:r>
+              <a:rPr lang="en-IN" dirty="0" err="1"/>
+              <a:t>server.properties</a:t>
             </a:r>
             <a:endParaRPr lang="en-IN" sz="1400" dirty="0"/>
           </a:p>
@@ -4894,7 +5011,7 @@
           <a:p>
             <a:r>
               <a:rPr lang="en-IN" sz="3200" b="1" dirty="0"/>
-              <a:t>Sqoop Installation</a:t>
+              <a:t>Kafka Installation</a:t>
             </a:r>
           </a:p>
         </p:txBody>
@@ -5091,7 +5208,7 @@
         <p:spPr>
           <a:xfrm>
             <a:off x="1393767" y="786998"/>
-            <a:ext cx="6096000" cy="6740307"/>
+            <a:ext cx="6096000" cy="7232749"/>
           </a:xfrm>
           <a:prstGeom prst="rect">
             <a:avLst/>
@@ -5126,13 +5243,13 @@
           <a:p>
             <a:r>
               <a:rPr lang="pt-BR" dirty="0"/>
-              <a:t>scp -r ~/.bashrc hadoop@datanode1: ~/.bashrc </a:t>
+              <a:t>scp -r ~/.bashrc hadoop@datanode1:~/.bashrc </a:t>
             </a:r>
           </a:p>
           <a:p>
             <a:r>
               <a:rPr lang="pt-BR" dirty="0"/>
-              <a:t>scp -r ~/.bashrc hadoop@datanode1: ~/.bashrc </a:t>
+              <a:t>scp -r ~/.bashrc hadoop@datanode2:~/.bashrc </a:t>
             </a:r>
           </a:p>
           <a:p>
@@ -5209,7 +5326,14 @@
             </a:r>
           </a:p>
           <a:p>
-            <a:endParaRPr lang="en-IN" dirty="0"/>
+            <a:r>
+              <a:rPr lang="en-IN" dirty="0" err="1"/>
+              <a:t>advertised.listeners</a:t>
+            </a:r>
+            <a:r>
+              <a:rPr lang="en-IN" dirty="0"/>
+              <a:t>=PLAINTEXT://datanode1:9092</a:t>
+            </a:r>
           </a:p>
           <a:p>
             <a:endParaRPr lang="en-IN" dirty="0"/>
@@ -5225,6 +5349,19 @@
               <a:rPr lang="en-IN" dirty="0"/>
               <a:t>broker.id=3</a:t>
             </a:r>
+          </a:p>
+          <a:p>
+            <a:r>
+              <a:rPr lang="en-IN" dirty="0" err="1"/>
+              <a:t>advertised.listeners</a:t>
+            </a:r>
+            <a:r>
+              <a:rPr lang="en-IN" dirty="0"/>
+              <a:t>=PLAINTEXT://datanode2:9092</a:t>
+            </a:r>
+          </a:p>
+          <a:p>
+            <a:endParaRPr lang="en-IN" dirty="0"/>
           </a:p>
           <a:p>
             <a:endParaRPr lang="en-IN" dirty="0"/>
@@ -5319,7 +5456,7 @@
         </p:nvSpPr>
         <p:spPr>
           <a:xfrm>
-            <a:off x="731520" y="1313411"/>
+            <a:off x="1113905" y="1296786"/>
             <a:ext cx="8841844" cy="3693319"/>
           </a:xfrm>
           <a:prstGeom prst="rect">
